--- a/Reports/Mid Defense/Mid Defense Presentation.pptx
+++ b/Reports/Mid Defense/Mid Defense Presentation.pptx
@@ -5,7 +5,7 @@
     <p:sldMasterId id="2147483648" r:id="rId1"/>
   </p:sldMasterIdLst>
   <p:notesMasterIdLst>
-    <p:notesMasterId r:id="rId15"/>
+    <p:notesMasterId r:id="rId17"/>
   </p:notesMasterIdLst>
   <p:sldIdLst>
     <p:sldId id="257" r:id="rId2"/>
@@ -17,10 +17,12 @@
     <p:sldId id="287" r:id="rId8"/>
     <p:sldId id="305" r:id="rId9"/>
     <p:sldId id="304" r:id="rId10"/>
-    <p:sldId id="299" r:id="rId11"/>
-    <p:sldId id="291" r:id="rId12"/>
-    <p:sldId id="298" r:id="rId13"/>
-    <p:sldId id="267" r:id="rId14"/>
+    <p:sldId id="306" r:id="rId11"/>
+    <p:sldId id="307" r:id="rId12"/>
+    <p:sldId id="299" r:id="rId13"/>
+    <p:sldId id="291" r:id="rId14"/>
+    <p:sldId id="298" r:id="rId15"/>
+    <p:sldId id="267" r:id="rId16"/>
   </p:sldIdLst>
   <p:sldSz cx="12192000" cy="6858000"/>
   <p:notesSz cx="6858000" cy="9144000"/>
@@ -3765,6 +3767,620 @@
       </p:grpSpPr>
       <p:sp>
         <p:nvSpPr>
+          <p:cNvPr id="2" name="Title 1"/>
+          <p:cNvSpPr>
+            <a:spLocks noGrp="1"/>
+          </p:cNvSpPr>
+          <p:nvPr>
+            <p:ph type="title"/>
+          </p:nvPr>
+        </p:nvSpPr>
+        <p:spPr>
+          <a:xfrm>
+            <a:off x="1549010" y="279241"/>
+            <a:ext cx="7396870" cy="1325563"/>
+          </a:xfrm>
+        </p:spPr>
+        <p:txBody>
+          <a:bodyPr/>
+          <a:lstStyle/>
+          <a:p>
+            <a:r>
+              <a:rPr lang="en-US" dirty="0">
+                <a:latin typeface="Times New Roman" panose="02020603050405020304" pitchFamily="18" charset="0"/>
+                <a:cs typeface="Times New Roman" panose="02020603050405020304" pitchFamily="18" charset="0"/>
+              </a:rPr>
+              <a:t>Algorithm Details</a:t>
+            </a:r>
+          </a:p>
+        </p:txBody>
+      </p:sp>
+      <p:sp>
+        <p:nvSpPr>
+          <p:cNvPr id="3" name="Content Placeholder 2"/>
+          <p:cNvSpPr>
+            <a:spLocks noGrp="1"/>
+          </p:cNvSpPr>
+          <p:nvPr>
+            <p:ph idx="1"/>
+          </p:nvPr>
+        </p:nvSpPr>
+        <p:spPr>
+          <a:xfrm>
+            <a:off x="1549010" y="1537692"/>
+            <a:ext cx="9247621" cy="4814564"/>
+          </a:xfrm>
+        </p:spPr>
+        <p:txBody>
+          <a:bodyPr>
+            <a:noAutofit/>
+          </a:bodyPr>
+          <a:lstStyle/>
+          <a:p>
+            <a:pPr marL="514350" marR="0" lvl="0" indent="-514350" algn="l" defTabSz="914400" rtl="0" eaLnBrk="0" fontAlgn="base" latinLnBrk="0" hangingPunct="0">
+              <a:lnSpc>
+                <a:spcPct val="150000"/>
+              </a:lnSpc>
+              <a:spcBef>
+                <a:spcPct val="0"/>
+              </a:spcBef>
+              <a:spcAft>
+                <a:spcPct val="0"/>
+              </a:spcAft>
+              <a:buClrTx/>
+              <a:buSzTx/>
+              <a:buFont typeface="+mj-lt"/>
+              <a:buAutoNum type="arabicPeriod" startAt="8"/>
+              <a:tabLst/>
+            </a:pPr>
+            <a:r>
+              <a:rPr kumimoji="0" lang="en-US" altLang="en-US" sz="2800" b="0" i="0" u="none" strike="noStrike" cap="none" normalizeH="0" baseline="0" dirty="0">
+                <a:ln>
+                  <a:noFill/>
+                </a:ln>
+                <a:solidFill>
+                  <a:schemeClr val="tx1"/>
+                </a:solidFill>
+                <a:effectLst/>
+                <a:latin typeface="Times New Roman" panose="02020603050405020304" pitchFamily="18" charset="0"/>
+                <a:cs typeface="Times New Roman" panose="02020603050405020304" pitchFamily="18" charset="0"/>
+              </a:rPr>
+              <a:t>Dataset images resized to 240x240 pixels</a:t>
+            </a:r>
+          </a:p>
+          <a:p>
+            <a:pPr marL="514350" marR="0" lvl="0" indent="-514350" algn="l" defTabSz="914400" rtl="0" eaLnBrk="0" fontAlgn="base" latinLnBrk="0" hangingPunct="0">
+              <a:lnSpc>
+                <a:spcPct val="150000"/>
+              </a:lnSpc>
+              <a:spcBef>
+                <a:spcPct val="0"/>
+              </a:spcBef>
+              <a:spcAft>
+                <a:spcPct val="0"/>
+              </a:spcAft>
+              <a:buClrTx/>
+              <a:buSzTx/>
+              <a:buFont typeface="+mj-lt"/>
+              <a:buAutoNum type="arabicPeriod" startAt="8"/>
+              <a:tabLst/>
+            </a:pPr>
+            <a:r>
+              <a:rPr kumimoji="0" lang="en-US" altLang="en-US" sz="2800" b="0" i="0" u="none" strike="noStrike" cap="none" normalizeH="0" baseline="0" dirty="0">
+                <a:ln>
+                  <a:noFill/>
+                </a:ln>
+                <a:solidFill>
+                  <a:schemeClr val="tx1"/>
+                </a:solidFill>
+                <a:effectLst/>
+                <a:latin typeface="Times New Roman" panose="02020603050405020304" pitchFamily="18" charset="0"/>
+                <a:cs typeface="Times New Roman" panose="02020603050405020304" pitchFamily="18" charset="0"/>
+              </a:rPr>
+              <a:t>Images normalized to improve training stability</a:t>
+            </a:r>
+          </a:p>
+          <a:p>
+            <a:pPr marL="514350" marR="0" lvl="0" indent="-514350" algn="l" defTabSz="914400" rtl="0" eaLnBrk="0" fontAlgn="base" latinLnBrk="0" hangingPunct="0">
+              <a:lnSpc>
+                <a:spcPct val="150000"/>
+              </a:lnSpc>
+              <a:spcBef>
+                <a:spcPct val="0"/>
+              </a:spcBef>
+              <a:spcAft>
+                <a:spcPct val="0"/>
+              </a:spcAft>
+              <a:buClrTx/>
+              <a:buSzTx/>
+              <a:buFont typeface="+mj-lt"/>
+              <a:buAutoNum type="arabicPeriod" startAt="8"/>
+              <a:tabLst/>
+            </a:pPr>
+            <a:r>
+              <a:rPr kumimoji="0" lang="en-US" altLang="en-US" sz="2800" b="0" i="0" u="none" strike="noStrike" cap="none" normalizeH="0" baseline="0" dirty="0">
+                <a:ln>
+                  <a:noFill/>
+                </a:ln>
+                <a:solidFill>
+                  <a:schemeClr val="tx1"/>
+                </a:solidFill>
+                <a:effectLst/>
+                <a:latin typeface="Times New Roman" panose="02020603050405020304" pitchFamily="18" charset="0"/>
+                <a:cs typeface="Times New Roman" panose="02020603050405020304" pitchFamily="18" charset="0"/>
+              </a:rPr>
+              <a:t>Models fine-tuned on medical skin datasets</a:t>
+            </a:r>
+          </a:p>
+          <a:p>
+            <a:pPr marL="514350" marR="0" lvl="0" indent="-514350" algn="l" defTabSz="914400" rtl="0" eaLnBrk="0" fontAlgn="base" latinLnBrk="0" hangingPunct="0">
+              <a:lnSpc>
+                <a:spcPct val="150000"/>
+              </a:lnSpc>
+              <a:spcBef>
+                <a:spcPct val="0"/>
+              </a:spcBef>
+              <a:spcAft>
+                <a:spcPct val="0"/>
+              </a:spcAft>
+              <a:buClrTx/>
+              <a:buSzTx/>
+              <a:buFont typeface="+mj-lt"/>
+              <a:buAutoNum type="arabicPeriod" startAt="8"/>
+              <a:tabLst/>
+            </a:pPr>
+            <a:r>
+              <a:rPr kumimoji="0" lang="en-US" altLang="en-US" sz="2800" b="0" i="0" u="none" strike="noStrike" cap="none" normalizeH="0" baseline="0" dirty="0">
+                <a:ln>
+                  <a:noFill/>
+                </a:ln>
+                <a:solidFill>
+                  <a:schemeClr val="tx1"/>
+                </a:solidFill>
+                <a:effectLst/>
+                <a:latin typeface="Times New Roman" panose="02020603050405020304" pitchFamily="18" charset="0"/>
+                <a:cs typeface="Times New Roman" panose="02020603050405020304" pitchFamily="18" charset="0"/>
+              </a:rPr>
+              <a:t>Uses categorical cross-entropy loss function</a:t>
+            </a:r>
+          </a:p>
+          <a:p>
+            <a:pPr marL="514350" marR="0" lvl="0" indent="-514350" algn="l" defTabSz="914400" rtl="0" eaLnBrk="0" fontAlgn="base" latinLnBrk="0" hangingPunct="0">
+              <a:lnSpc>
+                <a:spcPct val="150000"/>
+              </a:lnSpc>
+              <a:spcBef>
+                <a:spcPct val="0"/>
+              </a:spcBef>
+              <a:spcAft>
+                <a:spcPct val="0"/>
+              </a:spcAft>
+              <a:buClrTx/>
+              <a:buSzTx/>
+              <a:buFont typeface="+mj-lt"/>
+              <a:buAutoNum type="arabicPeriod" startAt="8"/>
+              <a:tabLst/>
+            </a:pPr>
+            <a:r>
+              <a:rPr kumimoji="0" lang="en-US" altLang="en-US" sz="2800" b="0" i="0" u="none" strike="noStrike" cap="none" normalizeH="0" baseline="0" dirty="0">
+                <a:ln>
+                  <a:noFill/>
+                </a:ln>
+                <a:solidFill>
+                  <a:schemeClr val="tx1"/>
+                </a:solidFill>
+                <a:effectLst/>
+                <a:latin typeface="Times New Roman" panose="02020603050405020304" pitchFamily="18" charset="0"/>
+                <a:cs typeface="Times New Roman" panose="02020603050405020304" pitchFamily="18" charset="0"/>
+              </a:rPr>
+              <a:t>Optimized with Adam optimizer for faster learning</a:t>
+            </a:r>
+          </a:p>
+          <a:p>
+            <a:pPr marL="514350" marR="0" lvl="0" indent="-514350" algn="l" defTabSz="914400" rtl="0" eaLnBrk="0" fontAlgn="base" latinLnBrk="0" hangingPunct="0">
+              <a:lnSpc>
+                <a:spcPct val="150000"/>
+              </a:lnSpc>
+              <a:spcBef>
+                <a:spcPct val="0"/>
+              </a:spcBef>
+              <a:spcAft>
+                <a:spcPct val="0"/>
+              </a:spcAft>
+              <a:buClrTx/>
+              <a:buSzTx/>
+              <a:buFont typeface="+mj-lt"/>
+              <a:buAutoNum type="arabicPeriod" startAt="8"/>
+              <a:tabLst/>
+            </a:pPr>
+            <a:r>
+              <a:rPr kumimoji="0" lang="en-US" altLang="en-US" sz="2800" b="0" i="0" u="none" strike="noStrike" cap="none" normalizeH="0" baseline="0" dirty="0">
+                <a:ln>
+                  <a:noFill/>
+                </a:ln>
+                <a:solidFill>
+                  <a:schemeClr val="tx1"/>
+                </a:solidFill>
+                <a:effectLst/>
+                <a:latin typeface="Times New Roman" panose="02020603050405020304" pitchFamily="18" charset="0"/>
+                <a:cs typeface="Times New Roman" panose="02020603050405020304" pitchFamily="18" charset="0"/>
+              </a:rPr>
+              <a:t>Implements dropout to reduce overfitting</a:t>
+            </a:r>
+          </a:p>
+          <a:p>
+            <a:pPr marL="514350" marR="0" lvl="0" indent="-514350" algn="l" defTabSz="914400" rtl="0" eaLnBrk="0" fontAlgn="base" latinLnBrk="0" hangingPunct="0">
+              <a:lnSpc>
+                <a:spcPct val="150000"/>
+              </a:lnSpc>
+              <a:spcBef>
+                <a:spcPct val="0"/>
+              </a:spcBef>
+              <a:spcAft>
+                <a:spcPct val="0"/>
+              </a:spcAft>
+              <a:buClrTx/>
+              <a:buSzTx/>
+              <a:buFont typeface="+mj-lt"/>
+              <a:buAutoNum type="arabicPeriod" startAt="8"/>
+              <a:tabLst/>
+            </a:pPr>
+            <a:r>
+              <a:rPr kumimoji="0" lang="en-US" altLang="en-US" sz="2800" b="0" i="0" u="none" strike="noStrike" cap="none" normalizeH="0" baseline="0" dirty="0">
+                <a:ln>
+                  <a:noFill/>
+                </a:ln>
+                <a:solidFill>
+                  <a:schemeClr val="tx1"/>
+                </a:solidFill>
+                <a:effectLst/>
+                <a:latin typeface="Times New Roman" panose="02020603050405020304" pitchFamily="18" charset="0"/>
+                <a:cs typeface="Times New Roman" panose="02020603050405020304" pitchFamily="18" charset="0"/>
+              </a:rPr>
+              <a:t>Produces probability scores for each skin class</a:t>
+            </a:r>
+          </a:p>
+        </p:txBody>
+      </p:sp>
+    </p:spTree>
+    <p:extLst>
+      <p:ext uri="{BB962C8B-B14F-4D97-AF65-F5344CB8AC3E}">
+        <p14:creationId xmlns:p14="http://schemas.microsoft.com/office/powerpoint/2010/main" val="4149818184"/>
+      </p:ext>
+    </p:extLst>
+  </p:cSld>
+  <p:clrMapOvr>
+    <a:masterClrMapping/>
+  </p:clrMapOvr>
+</p:sld>
+</file>
+
+<file path=ppt/slides/slide11.xml><?xml version="1.0" encoding="utf-8"?>
+<p:sld xmlns:a="http://schemas.openxmlformats.org/drawingml/2006/main" xmlns:r="http://schemas.openxmlformats.org/officeDocument/2006/relationships" xmlns:p="http://schemas.openxmlformats.org/presentationml/2006/main">
+  <p:cSld>
+    <p:spTree>
+      <p:nvGrpSpPr>
+        <p:cNvPr id="1" name=""/>
+        <p:cNvGrpSpPr/>
+        <p:nvPr/>
+      </p:nvGrpSpPr>
+      <p:grpSpPr>
+        <a:xfrm>
+          <a:off x="0" y="0"/>
+          <a:ext cx="0" cy="0"/>
+          <a:chOff x="0" y="0"/>
+          <a:chExt cx="0" cy="0"/>
+        </a:xfrm>
+      </p:grpSpPr>
+      <p:sp>
+        <p:nvSpPr>
+          <p:cNvPr id="2" name="Title 1"/>
+          <p:cNvSpPr>
+            <a:spLocks noGrp="1"/>
+          </p:cNvSpPr>
+          <p:nvPr>
+            <p:ph type="title"/>
+          </p:nvPr>
+        </p:nvSpPr>
+        <p:spPr>
+          <a:xfrm>
+            <a:off x="1549010" y="279241"/>
+            <a:ext cx="7396870" cy="1325563"/>
+          </a:xfrm>
+        </p:spPr>
+        <p:txBody>
+          <a:bodyPr/>
+          <a:lstStyle/>
+          <a:p>
+            <a:r>
+              <a:rPr lang="en-US" dirty="0">
+                <a:latin typeface="Times New Roman" panose="02020603050405020304" pitchFamily="18" charset="0"/>
+                <a:cs typeface="Times New Roman" panose="02020603050405020304" pitchFamily="18" charset="0"/>
+              </a:rPr>
+              <a:t>Algorithm Details</a:t>
+            </a:r>
+          </a:p>
+        </p:txBody>
+      </p:sp>
+      <p:sp>
+        <p:nvSpPr>
+          <p:cNvPr id="3" name="Content Placeholder 2"/>
+          <p:cNvSpPr>
+            <a:spLocks noGrp="1"/>
+          </p:cNvSpPr>
+          <p:nvPr>
+            <p:ph idx="1"/>
+          </p:nvPr>
+        </p:nvSpPr>
+        <p:spPr>
+          <a:xfrm>
+            <a:off x="1549010" y="1537692"/>
+            <a:ext cx="9247621" cy="4814564"/>
+          </a:xfrm>
+        </p:spPr>
+        <p:txBody>
+          <a:bodyPr>
+            <a:noAutofit/>
+          </a:bodyPr>
+          <a:lstStyle/>
+          <a:p>
+            <a:pPr marL="514350" marR="0" lvl="0" indent="-514350" algn="l" defTabSz="914400" rtl="0" eaLnBrk="0" fontAlgn="base" latinLnBrk="0" hangingPunct="0">
+              <a:lnSpc>
+                <a:spcPct val="150000"/>
+              </a:lnSpc>
+              <a:spcBef>
+                <a:spcPct val="0"/>
+              </a:spcBef>
+              <a:spcAft>
+                <a:spcPct val="0"/>
+              </a:spcAft>
+              <a:buClrTx/>
+              <a:buSzTx/>
+              <a:buFont typeface="+mj-lt"/>
+              <a:buAutoNum type="arabicPeriod" startAt="15"/>
+              <a:tabLst/>
+            </a:pPr>
+            <a:r>
+              <a:rPr kumimoji="0" lang="en-US" altLang="en-US" sz="2800" b="0" i="0" u="none" strike="noStrike" cap="none" normalizeH="0" baseline="0" dirty="0">
+                <a:ln>
+                  <a:noFill/>
+                </a:ln>
+                <a:solidFill>
+                  <a:schemeClr val="tx1"/>
+                </a:solidFill>
+                <a:effectLst/>
+                <a:latin typeface="Times New Roman" panose="02020603050405020304" pitchFamily="18" charset="0"/>
+                <a:cs typeface="Times New Roman" panose="02020603050405020304" pitchFamily="18" charset="0"/>
+              </a:rPr>
+              <a:t>Deployment through Flask web interface</a:t>
+            </a:r>
+          </a:p>
+          <a:p>
+            <a:pPr marL="514350" marR="0" lvl="0" indent="-514350" algn="l" defTabSz="914400" rtl="0" eaLnBrk="0" fontAlgn="base" latinLnBrk="0" hangingPunct="0">
+              <a:lnSpc>
+                <a:spcPct val="150000"/>
+              </a:lnSpc>
+              <a:spcBef>
+                <a:spcPct val="0"/>
+              </a:spcBef>
+              <a:spcAft>
+                <a:spcPct val="0"/>
+              </a:spcAft>
+              <a:buClrTx/>
+              <a:buSzTx/>
+              <a:buFont typeface="+mj-lt"/>
+              <a:buAutoNum type="arabicPeriod" startAt="15"/>
+              <a:tabLst/>
+            </a:pPr>
+            <a:r>
+              <a:rPr kumimoji="0" lang="en-US" altLang="en-US" sz="2800" b="0" i="0" u="none" strike="noStrike" cap="none" normalizeH="0" baseline="0" dirty="0">
+                <a:ln>
+                  <a:noFill/>
+                </a:ln>
+                <a:solidFill>
+                  <a:schemeClr val="tx1"/>
+                </a:solidFill>
+                <a:effectLst/>
+                <a:latin typeface="Times New Roman" panose="02020603050405020304" pitchFamily="18" charset="0"/>
+                <a:cs typeface="Times New Roman" panose="02020603050405020304" pitchFamily="18" charset="0"/>
+              </a:rPr>
+              <a:t>Users upload images for instant prediction</a:t>
+            </a:r>
+          </a:p>
+          <a:p>
+            <a:pPr marL="514350" marR="0" lvl="0" indent="-514350" algn="l" defTabSz="914400" rtl="0" eaLnBrk="0" fontAlgn="base" latinLnBrk="0" hangingPunct="0">
+              <a:lnSpc>
+                <a:spcPct val="150000"/>
+              </a:lnSpc>
+              <a:spcBef>
+                <a:spcPct val="0"/>
+              </a:spcBef>
+              <a:spcAft>
+                <a:spcPct val="0"/>
+              </a:spcAft>
+              <a:buClrTx/>
+              <a:buSzTx/>
+              <a:buFont typeface="+mj-lt"/>
+              <a:buAutoNum type="arabicPeriod" startAt="15"/>
+              <a:tabLst/>
+            </a:pPr>
+            <a:r>
+              <a:rPr kumimoji="0" lang="en-US" altLang="en-US" sz="2800" b="0" i="0" u="none" strike="noStrike" cap="none" normalizeH="0" baseline="0" dirty="0">
+                <a:ln>
+                  <a:noFill/>
+                </a:ln>
+                <a:solidFill>
+                  <a:schemeClr val="tx1"/>
+                </a:solidFill>
+                <a:effectLst/>
+                <a:latin typeface="Times New Roman" panose="02020603050405020304" pitchFamily="18" charset="0"/>
+                <a:cs typeface="Times New Roman" panose="02020603050405020304" pitchFamily="18" charset="0"/>
+              </a:rPr>
+              <a:t>System returns predicted disease with confidence</a:t>
+            </a:r>
+          </a:p>
+          <a:p>
+            <a:pPr marL="514350" marR="0" lvl="0" indent="-514350" algn="l" defTabSz="914400" rtl="0" eaLnBrk="0" fontAlgn="base" latinLnBrk="0" hangingPunct="0">
+              <a:lnSpc>
+                <a:spcPct val="150000"/>
+              </a:lnSpc>
+              <a:spcBef>
+                <a:spcPct val="0"/>
+              </a:spcBef>
+              <a:spcAft>
+                <a:spcPct val="0"/>
+              </a:spcAft>
+              <a:buClrTx/>
+              <a:buSzTx/>
+              <a:buFont typeface="+mj-lt"/>
+              <a:buAutoNum type="arabicPeriod" startAt="15"/>
+              <a:tabLst/>
+            </a:pPr>
+            <a:r>
+              <a:rPr kumimoji="0" lang="en-US" altLang="en-US" sz="2800" b="0" i="0" u="none" strike="noStrike" cap="none" normalizeH="0" baseline="0" dirty="0">
+                <a:ln>
+                  <a:noFill/>
+                </a:ln>
+                <a:solidFill>
+                  <a:schemeClr val="tx1"/>
+                </a:solidFill>
+                <a:effectLst/>
+                <a:latin typeface="Times New Roman" panose="02020603050405020304" pitchFamily="18" charset="0"/>
+                <a:cs typeface="Times New Roman" panose="02020603050405020304" pitchFamily="18" charset="0"/>
+              </a:rPr>
+              <a:t>Enables easy access in clinical and remote areas</a:t>
+            </a:r>
+          </a:p>
+          <a:p>
+            <a:pPr marL="514350" marR="0" lvl="0" indent="-514350" algn="l" defTabSz="914400" rtl="0" eaLnBrk="0" fontAlgn="base" latinLnBrk="0" hangingPunct="0">
+              <a:lnSpc>
+                <a:spcPct val="150000"/>
+              </a:lnSpc>
+              <a:spcBef>
+                <a:spcPct val="0"/>
+              </a:spcBef>
+              <a:spcAft>
+                <a:spcPct val="0"/>
+              </a:spcAft>
+              <a:buClrTx/>
+              <a:buSzTx/>
+              <a:buFont typeface="+mj-lt"/>
+              <a:buAutoNum type="arabicPeriod" startAt="15"/>
+              <a:tabLst/>
+            </a:pPr>
+            <a:r>
+              <a:rPr kumimoji="0" lang="en-US" altLang="en-US" sz="2800" b="0" i="0" u="none" strike="noStrike" cap="none" normalizeH="0" baseline="0" dirty="0">
+                <a:ln>
+                  <a:noFill/>
+                </a:ln>
+                <a:solidFill>
+                  <a:schemeClr val="tx1"/>
+                </a:solidFill>
+                <a:effectLst/>
+                <a:latin typeface="Times New Roman" panose="02020603050405020304" pitchFamily="18" charset="0"/>
+                <a:cs typeface="Times New Roman" panose="02020603050405020304" pitchFamily="18" charset="0"/>
+              </a:rPr>
+              <a:t>Designed for real-time skin disease detection</a:t>
+            </a:r>
+          </a:p>
+          <a:p>
+            <a:pPr marL="514350" marR="0" lvl="0" indent="-514350" algn="l" defTabSz="914400" rtl="0" eaLnBrk="0" fontAlgn="base" latinLnBrk="0" hangingPunct="0">
+              <a:lnSpc>
+                <a:spcPct val="150000"/>
+              </a:lnSpc>
+              <a:spcBef>
+                <a:spcPct val="0"/>
+              </a:spcBef>
+              <a:spcAft>
+                <a:spcPct val="0"/>
+              </a:spcAft>
+              <a:buClrTx/>
+              <a:buSzTx/>
+              <a:buFont typeface="+mj-lt"/>
+              <a:buAutoNum type="arabicPeriod" startAt="15"/>
+              <a:tabLst/>
+            </a:pPr>
+            <a:r>
+              <a:rPr kumimoji="0" lang="en-US" altLang="en-US" sz="2800" b="0" i="0" u="none" strike="noStrike" cap="none" normalizeH="0" baseline="0" dirty="0">
+                <a:ln>
+                  <a:noFill/>
+                </a:ln>
+                <a:solidFill>
+                  <a:schemeClr val="tx1"/>
+                </a:solidFill>
+                <a:effectLst/>
+                <a:latin typeface="Times New Roman" panose="02020603050405020304" pitchFamily="18" charset="0"/>
+                <a:cs typeface="Times New Roman" panose="02020603050405020304" pitchFamily="18" charset="0"/>
+              </a:rPr>
+              <a:t>Supports early diagnosis and treatment decision</a:t>
+            </a:r>
+          </a:p>
+          <a:p>
+            <a:pPr marL="514350" marR="0" lvl="0" indent="-514350" algn="l" defTabSz="914400" rtl="0" eaLnBrk="0" fontAlgn="base" latinLnBrk="0" hangingPunct="0">
+              <a:lnSpc>
+                <a:spcPct val="150000"/>
+              </a:lnSpc>
+              <a:spcBef>
+                <a:spcPct val="0"/>
+              </a:spcBef>
+              <a:spcAft>
+                <a:spcPct val="0"/>
+              </a:spcAft>
+              <a:buClrTx/>
+              <a:buSzTx/>
+              <a:buFont typeface="+mj-lt"/>
+              <a:buAutoNum type="arabicPeriod" startAt="15"/>
+              <a:tabLst/>
+            </a:pPr>
+            <a:r>
+              <a:rPr kumimoji="0" lang="en-US" altLang="en-US" sz="2800" b="0" i="0" u="none" strike="noStrike" cap="none" normalizeH="0" baseline="0" dirty="0">
+                <a:ln>
+                  <a:noFill/>
+                </a:ln>
+                <a:solidFill>
+                  <a:schemeClr val="tx1"/>
+                </a:solidFill>
+                <a:effectLst/>
+                <a:latin typeface="Times New Roman" panose="02020603050405020304" pitchFamily="18" charset="0"/>
+                <a:cs typeface="Times New Roman" panose="02020603050405020304" pitchFamily="18" charset="0"/>
+              </a:rPr>
+              <a:t>Helps dermatologists by automating image analysis</a:t>
+            </a:r>
+          </a:p>
+        </p:txBody>
+      </p:sp>
+    </p:spTree>
+    <p:extLst>
+      <p:ext uri="{BB962C8B-B14F-4D97-AF65-F5344CB8AC3E}">
+        <p14:creationId xmlns:p14="http://schemas.microsoft.com/office/powerpoint/2010/main" val="1556304077"/>
+      </p:ext>
+    </p:extLst>
+  </p:cSld>
+  <p:clrMapOvr>
+    <a:masterClrMapping/>
+  </p:clrMapOvr>
+</p:sld>
+</file>
+
+<file path=ppt/slides/slide12.xml><?xml version="1.0" encoding="utf-8"?>
+<p:sld xmlns:a="http://schemas.openxmlformats.org/drawingml/2006/main" xmlns:r="http://schemas.openxmlformats.org/officeDocument/2006/relationships" xmlns:p="http://schemas.openxmlformats.org/presentationml/2006/main">
+  <p:cSld>
+    <p:spTree>
+      <p:nvGrpSpPr>
+        <p:cNvPr id="1" name=""/>
+        <p:cNvGrpSpPr/>
+        <p:nvPr/>
+      </p:nvGrpSpPr>
+      <p:grpSpPr>
+        <a:xfrm>
+          <a:off x="0" y="0"/>
+          <a:ext cx="0" cy="0"/>
+          <a:chOff x="0" y="0"/>
+          <a:chExt cx="0" cy="0"/>
+        </a:xfrm>
+      </p:grpSpPr>
+      <p:sp>
+        <p:nvSpPr>
           <p:cNvPr id="5" name="Title 1">
             <a:extLst>
               <a:ext uri="{FF2B5EF4-FFF2-40B4-BE49-F238E27FC236}">
@@ -4135,7 +4751,7 @@
 </p:sld>
 </file>
 
-<file path=ppt/slides/slide11.xml><?xml version="1.0" encoding="utf-8"?>
+<file path=ppt/slides/slide13.xml><?xml version="1.0" encoding="utf-8"?>
 <p:sld xmlns:a="http://schemas.openxmlformats.org/drawingml/2006/main" xmlns:r="http://schemas.openxmlformats.org/officeDocument/2006/relationships" xmlns:p="http://schemas.openxmlformats.org/presentationml/2006/main">
   <p:cSld>
     <p:spTree>
@@ -4472,7 +5088,7 @@
 </p:sld>
 </file>
 
-<file path=ppt/slides/slide12.xml><?xml version="1.0" encoding="utf-8"?>
+<file path=ppt/slides/slide14.xml><?xml version="1.0" encoding="utf-8"?>
 <p:sld xmlns:a="http://schemas.openxmlformats.org/drawingml/2006/main" xmlns:r="http://schemas.openxmlformats.org/officeDocument/2006/relationships" xmlns:p="http://schemas.openxmlformats.org/presentationml/2006/main">
   <p:cSld>
     <p:spTree>
@@ -4837,7 +5453,7 @@
 </p:sld>
 </file>
 
-<file path=ppt/slides/slide13.xml><?xml version="1.0" encoding="utf-8"?>
+<file path=ppt/slides/slide15.xml><?xml version="1.0" encoding="utf-8"?>
 <p:sld xmlns:a="http://schemas.openxmlformats.org/drawingml/2006/main" xmlns:r="http://schemas.openxmlformats.org/officeDocument/2006/relationships" xmlns:p="http://schemas.openxmlformats.org/presentationml/2006/main">
   <p:cSld>
     <p:spTree>
@@ -5001,20 +5617,18 @@
           </a:p>
           <a:p>
             <a:r>
+              <a:rPr lang="en-US"/>
+              <a:t>Objectives </a:t>
+            </a:r>
+          </a:p>
+          <a:p>
+            <a:r>
+              <a:rPr lang="en-US"/>
+              <a:t>Algorithm </a:t>
+            </a:r>
+            <a:r>
               <a:rPr lang="en-US" dirty="0"/>
-              <a:t>Objectives </a:t>
-            </a:r>
-          </a:p>
-          <a:p>
-            <a:r>
-              <a:rPr lang="en-US" dirty="0"/>
-              <a:t>Limitations </a:t>
-            </a:r>
-          </a:p>
-          <a:p>
-            <a:r>
-              <a:rPr lang="en-US" dirty="0"/>
-              <a:t>Algorithm Details </a:t>
+              <a:t>Details </a:t>
             </a:r>
           </a:p>
           <a:p>
@@ -6368,13 +6982,13 @@
         </p:nvSpPr>
         <p:spPr>
           <a:xfrm>
-            <a:off x="1549010" y="1764195"/>
-            <a:ext cx="6863470" cy="3109110"/>
+            <a:off x="1549010" y="1537692"/>
+            <a:ext cx="9247621" cy="4814564"/>
           </a:xfrm>
         </p:spPr>
         <p:txBody>
           <a:bodyPr>
-            <a:normAutofit fontScale="77500" lnSpcReduction="20000"/>
+            <a:noAutofit/>
           </a:bodyPr>
           <a:lstStyle/>
           <a:p>
@@ -6395,7 +7009,7 @@
               <a:tabLst/>
             </a:pPr>
             <a:r>
-              <a:rPr kumimoji="0" lang="en-US" altLang="en-US" sz="2800" b="0" i="0" u="none" strike="noStrike" cap="none" normalizeH="0" baseline="0" dirty="0">
+              <a:rPr kumimoji="0" lang="en-US" altLang="en-US" b="0" i="0" u="none" strike="noStrike" cap="none" normalizeH="0" baseline="0" dirty="0">
                 <a:ln>
                   <a:noFill/>
                 </a:ln>
@@ -6403,12 +7017,13 @@
                   <a:schemeClr val="tx1"/>
                 </a:solidFill>
                 <a:effectLst/>
-                <a:latin typeface="Arial" panose="020B0604020202020204" pitchFamily="34" charset="0"/>
+                <a:latin typeface="Times New Roman" panose="02020603050405020304" pitchFamily="18" charset="0"/>
+                <a:cs typeface="Times New Roman" panose="02020603050405020304" pitchFamily="18" charset="0"/>
               </a:rPr>
               <a:t>Uses CNN, MobileNet, </a:t>
             </a:r>
             <a:r>
-              <a:rPr kumimoji="0" lang="en-US" altLang="en-US" sz="2800" b="0" i="0" u="none" strike="noStrike" cap="none" normalizeH="0" baseline="0" dirty="0" err="1">
+              <a:rPr kumimoji="0" lang="en-US" altLang="en-US" b="0" i="0" u="none" strike="noStrike" cap="none" normalizeH="0" baseline="0" dirty="0" err="1">
                 <a:ln>
                   <a:noFill/>
                 </a:ln>
@@ -6416,12 +7031,13 @@
                   <a:schemeClr val="tx1"/>
                 </a:solidFill>
                 <a:effectLst/>
-                <a:latin typeface="Arial" panose="020B0604020202020204" pitchFamily="34" charset="0"/>
+                <a:latin typeface="Times New Roman" panose="02020603050405020304" pitchFamily="18" charset="0"/>
+                <a:cs typeface="Times New Roman" panose="02020603050405020304" pitchFamily="18" charset="0"/>
               </a:rPr>
               <a:t>DenseNet</a:t>
             </a:r>
             <a:r>
-              <a:rPr kumimoji="0" lang="en-US" altLang="en-US" sz="2800" b="0" i="0" u="none" strike="noStrike" cap="none" normalizeH="0" baseline="0" dirty="0">
+              <a:rPr kumimoji="0" lang="en-US" altLang="en-US" b="0" i="0" u="none" strike="noStrike" cap="none" normalizeH="0" baseline="0" dirty="0">
                 <a:ln>
                   <a:noFill/>
                 </a:ln>
@@ -6429,7 +7045,8 @@
                   <a:schemeClr val="tx1"/>
                 </a:solidFill>
                 <a:effectLst/>
-                <a:latin typeface="Arial" panose="020B0604020202020204" pitchFamily="34" charset="0"/>
+                <a:latin typeface="Times New Roman" panose="02020603050405020304" pitchFamily="18" charset="0"/>
+                <a:cs typeface="Times New Roman" panose="02020603050405020304" pitchFamily="18" charset="0"/>
               </a:rPr>
               <a:t> pretrained models</a:t>
             </a:r>
@@ -6452,7 +7069,7 @@
               <a:tabLst/>
             </a:pPr>
             <a:r>
-              <a:rPr kumimoji="0" lang="en-US" altLang="en-US" sz="2800" b="0" i="0" u="none" strike="noStrike" cap="none" normalizeH="0" baseline="0" dirty="0">
+              <a:rPr kumimoji="0" lang="en-US" altLang="en-US" b="0" i="0" u="none" strike="noStrike" cap="none" normalizeH="0" baseline="0" dirty="0">
                 <a:ln>
                   <a:noFill/>
                 </a:ln>
@@ -6460,7 +7077,8 @@
                   <a:schemeClr val="tx1"/>
                 </a:solidFill>
                 <a:effectLst/>
-                <a:latin typeface="Arial" panose="020B0604020202020204" pitchFamily="34" charset="0"/>
+                <a:latin typeface="Times New Roman" panose="02020603050405020304" pitchFamily="18" charset="0"/>
+                <a:cs typeface="Times New Roman" panose="02020603050405020304" pitchFamily="18" charset="0"/>
               </a:rPr>
               <a:t>Applies image preprocessing: resize and normalize</a:t>
             </a:r>
@@ -6483,7 +7101,7 @@
               <a:tabLst/>
             </a:pPr>
             <a:r>
-              <a:rPr kumimoji="0" lang="en-US" altLang="en-US" sz="2800" b="0" i="0" u="none" strike="noStrike" cap="none" normalizeH="0" baseline="0" dirty="0">
+              <a:rPr kumimoji="0" lang="en-US" altLang="en-US" b="0" i="0" u="none" strike="noStrike" cap="none" normalizeH="0" baseline="0" dirty="0">
                 <a:ln>
                   <a:noFill/>
                 </a:ln>
@@ -6491,7 +7109,8 @@
                   <a:schemeClr val="tx1"/>
                 </a:solidFill>
                 <a:effectLst/>
-                <a:latin typeface="Arial" panose="020B0604020202020204" pitchFamily="34" charset="0"/>
+                <a:latin typeface="Times New Roman" panose="02020603050405020304" pitchFamily="18" charset="0"/>
+                <a:cs typeface="Times New Roman" panose="02020603050405020304" pitchFamily="18" charset="0"/>
               </a:rPr>
               <a:t>Extracts features using convolutional layers</a:t>
             </a:r>
@@ -6514,7 +7133,7 @@
               <a:tabLst/>
             </a:pPr>
             <a:r>
-              <a:rPr kumimoji="0" lang="en-US" altLang="en-US" sz="2800" b="0" i="0" u="none" strike="noStrike" cap="none" normalizeH="0" baseline="0" dirty="0">
+              <a:rPr kumimoji="0" lang="en-US" altLang="en-US" b="0" i="0" u="none" strike="noStrike" cap="none" normalizeH="0" baseline="0" dirty="0">
                 <a:ln>
                   <a:noFill/>
                 </a:ln>
@@ -6522,9 +7141,134 @@
                   <a:schemeClr val="tx1"/>
                 </a:solidFill>
                 <a:effectLst/>
-                <a:latin typeface="Arial" panose="020B0604020202020204" pitchFamily="34" charset="0"/>
+                <a:latin typeface="Times New Roman" panose="02020603050405020304" pitchFamily="18" charset="0"/>
+                <a:cs typeface="Times New Roman" panose="02020603050405020304" pitchFamily="18" charset="0"/>
               </a:rPr>
               <a:t>Uses Global Average Pooling and dropout layers</a:t>
+            </a:r>
+          </a:p>
+          <a:p>
+            <a:pPr marL="514350" marR="0" lvl="0" indent="-514350" algn="l" defTabSz="914400" rtl="0" eaLnBrk="0" fontAlgn="base" latinLnBrk="0" hangingPunct="0">
+              <a:lnSpc>
+                <a:spcPct val="160000"/>
+              </a:lnSpc>
+              <a:spcBef>
+                <a:spcPct val="0"/>
+              </a:spcBef>
+              <a:spcAft>
+                <a:spcPct val="0"/>
+              </a:spcAft>
+              <a:buClrTx/>
+              <a:buSzTx/>
+              <a:buFont typeface="+mj-lt"/>
+              <a:buAutoNum type="arabicPeriod"/>
+              <a:tabLst/>
+            </a:pPr>
+            <a:r>
+              <a:rPr kumimoji="0" lang="en-US" altLang="en-US" b="0" i="0" u="none" strike="noStrike" cap="none" normalizeH="0" baseline="0" dirty="0">
+                <a:ln>
+                  <a:noFill/>
+                </a:ln>
+                <a:solidFill>
+                  <a:schemeClr val="tx1"/>
+                </a:solidFill>
+                <a:effectLst/>
+                <a:latin typeface="Times New Roman" panose="02020603050405020304" pitchFamily="18" charset="0"/>
+                <a:cs typeface="Times New Roman" panose="02020603050405020304" pitchFamily="18" charset="0"/>
+              </a:rPr>
+              <a:t>Final classification with </a:t>
+            </a:r>
+            <a:r>
+              <a:rPr kumimoji="0" lang="en-US" altLang="en-US" b="0" i="0" u="none" strike="noStrike" cap="none" normalizeH="0" baseline="0" dirty="0" err="1">
+                <a:ln>
+                  <a:noFill/>
+                </a:ln>
+                <a:solidFill>
+                  <a:schemeClr val="tx1"/>
+                </a:solidFill>
+                <a:effectLst/>
+                <a:latin typeface="Times New Roman" panose="02020603050405020304" pitchFamily="18" charset="0"/>
+                <a:cs typeface="Times New Roman" panose="02020603050405020304" pitchFamily="18" charset="0"/>
+              </a:rPr>
+              <a:t>softmax</a:t>
+            </a:r>
+            <a:r>
+              <a:rPr kumimoji="0" lang="en-US" altLang="en-US" b="0" i="0" u="none" strike="noStrike" cap="none" normalizeH="0" baseline="0" dirty="0">
+                <a:ln>
+                  <a:noFill/>
+                </a:ln>
+                <a:solidFill>
+                  <a:schemeClr val="tx1"/>
+                </a:solidFill>
+                <a:effectLst/>
+                <a:latin typeface="Times New Roman" panose="02020603050405020304" pitchFamily="18" charset="0"/>
+                <a:cs typeface="Times New Roman" panose="02020603050405020304" pitchFamily="18" charset="0"/>
+              </a:rPr>
+              <a:t> activation</a:t>
+            </a:r>
+          </a:p>
+          <a:p>
+            <a:pPr marL="514350" marR="0" lvl="0" indent="-514350" algn="l" defTabSz="914400" rtl="0" eaLnBrk="0" fontAlgn="base" latinLnBrk="0" hangingPunct="0">
+              <a:lnSpc>
+                <a:spcPct val="160000"/>
+              </a:lnSpc>
+              <a:spcBef>
+                <a:spcPct val="0"/>
+              </a:spcBef>
+              <a:spcAft>
+                <a:spcPct val="0"/>
+              </a:spcAft>
+              <a:buClrTx/>
+              <a:buSzTx/>
+              <a:buFont typeface="+mj-lt"/>
+              <a:buAutoNum type="arabicPeriod"/>
+              <a:tabLst/>
+            </a:pPr>
+            <a:r>
+              <a:rPr kumimoji="0" lang="en-US" altLang="en-US" b="0" i="0" u="none" strike="noStrike" cap="none" normalizeH="0" baseline="0" dirty="0">
+                <a:ln>
+                  <a:noFill/>
+                </a:ln>
+                <a:solidFill>
+                  <a:schemeClr val="tx1"/>
+                </a:solidFill>
+                <a:effectLst/>
+                <a:latin typeface="Times New Roman" panose="02020603050405020304" pitchFamily="18" charset="0"/>
+                <a:cs typeface="Times New Roman" panose="02020603050405020304" pitchFamily="18" charset="0"/>
+              </a:rPr>
+              <a:t>Trains on labeled skin disease images</a:t>
+            </a:r>
+          </a:p>
+          <a:p>
+            <a:pPr marL="514350" marR="0" lvl="0" indent="-514350" algn="l" defTabSz="914400" rtl="0" eaLnBrk="0" fontAlgn="base" latinLnBrk="0" hangingPunct="0">
+              <a:lnSpc>
+                <a:spcPct val="160000"/>
+              </a:lnSpc>
+              <a:spcBef>
+                <a:spcPct val="0"/>
+              </a:spcBef>
+              <a:spcAft>
+                <a:spcPct val="0"/>
+              </a:spcAft>
+              <a:buClrTx/>
+              <a:buSzTx/>
+              <a:buFont typeface="+mj-lt"/>
+              <a:buAutoNum type="arabicPeriod"/>
+              <a:tabLst/>
+            </a:pPr>
+            <a:r>
+              <a:rPr kumimoji="0" lang="en-US" altLang="en-US" b="0" i="0" u="none" strike="noStrike" cap="none" normalizeH="0" baseline="0" dirty="0">
+                <a:ln>
+                  <a:noFill/>
+                </a:ln>
+                <a:solidFill>
+                  <a:schemeClr val="tx1"/>
+                </a:solidFill>
+                <a:effectLst/>
+                <a:latin typeface="Times New Roman" panose="02020603050405020304" pitchFamily="18" charset="0"/>
+                <a:cs typeface="Times New Roman" panose="02020603050405020304" pitchFamily="18" charset="0"/>
+              </a:rPr>
+              <a:t>Validates accuracy with held-out test set</a:t>
             </a:r>
           </a:p>
         </p:txBody>

--- a/Reports/Mid Defense/Mid Defense Presentation.pptx
+++ b/Reports/Mid Defense/Mid Defense Presentation.pptx
@@ -222,7 +222,7 @@
           <a:p>
             <a:fld id="{E0DDFADA-F1FA-4B02-81F8-56CF59DBC919}" type="datetimeFigureOut">
               <a:rPr lang="en-US" smtClean="0"/>
-              <a:t>7/17/2025</a:t>
+              <a:t>7/18/2025</a:t>
             </a:fld>
             <a:endParaRPr lang="en-US"/>
           </a:p>
@@ -702,7 +702,7 @@
           <a:p>
             <a:fld id="{6D93A3E9-C0A9-442A-B220-D4EDFCBAA84C}" type="datetime1">
               <a:rPr lang="en-US" smtClean="0"/>
-              <a:t>7/17/2025</a:t>
+              <a:t>7/18/2025</a:t>
             </a:fld>
             <a:endParaRPr lang="en-US"/>
           </a:p>
@@ -873,7 +873,7 @@
           <a:p>
             <a:fld id="{AE5A862B-3B5E-4397-AAF4-6EA2D6C2DE27}" type="datetime1">
               <a:rPr lang="en-US" smtClean="0"/>
-              <a:t>7/17/2025</a:t>
+              <a:t>7/18/2025</a:t>
             </a:fld>
             <a:endParaRPr lang="en-US"/>
           </a:p>
@@ -1054,7 +1054,7 @@
           <a:p>
             <a:fld id="{19D87E99-8C08-4F96-8201-05CD0C5638D7}" type="datetime1">
               <a:rPr lang="en-US" smtClean="0"/>
-              <a:t>7/17/2025</a:t>
+              <a:t>7/18/2025</a:t>
             </a:fld>
             <a:endParaRPr lang="en-US"/>
           </a:p>
@@ -1225,7 +1225,7 @@
           <a:p>
             <a:fld id="{235672FD-9DCB-4C38-9235-AE05880C8E19}" type="datetime1">
               <a:rPr lang="en-US" smtClean="0"/>
-              <a:t>7/17/2025</a:t>
+              <a:t>7/18/2025</a:t>
             </a:fld>
             <a:endParaRPr lang="en-US"/>
           </a:p>
@@ -1473,7 +1473,7 @@
           <a:p>
             <a:fld id="{C48D3626-F4E4-4022-A288-C2A032A7B310}" type="datetime1">
               <a:rPr lang="en-US" smtClean="0"/>
-              <a:t>7/17/2025</a:t>
+              <a:t>7/18/2025</a:t>
             </a:fld>
             <a:endParaRPr lang="en-US"/>
           </a:p>
@@ -1705,7 +1705,7 @@
           <a:p>
             <a:fld id="{3529C17B-5BD4-45B0-A712-04849803A66F}" type="datetime1">
               <a:rPr lang="en-US" smtClean="0"/>
-              <a:t>7/17/2025</a:t>
+              <a:t>7/18/2025</a:t>
             </a:fld>
             <a:endParaRPr lang="en-US"/>
           </a:p>
@@ -2072,7 +2072,7 @@
           <a:p>
             <a:fld id="{0A531C78-5B33-402E-B54F-0F0E630E119B}" type="datetime1">
               <a:rPr lang="en-US" smtClean="0"/>
-              <a:t>7/17/2025</a:t>
+              <a:t>7/18/2025</a:t>
             </a:fld>
             <a:endParaRPr lang="en-US"/>
           </a:p>
@@ -2192,7 +2192,7 @@
           <a:p>
             <a:fld id="{1C5D40FF-9114-4C15-8799-B2213546B8EC}" type="datetime1">
               <a:rPr lang="en-US" smtClean="0"/>
-              <a:t>7/17/2025</a:t>
+              <a:t>7/18/2025</a:t>
             </a:fld>
             <a:endParaRPr lang="en-US"/>
           </a:p>
@@ -2290,7 +2290,7 @@
           <a:p>
             <a:fld id="{DC9198FC-82F4-44D0-95D4-BDB2635FF1E3}" type="datetime1">
               <a:rPr lang="en-US" smtClean="0"/>
-              <a:t>7/17/2025</a:t>
+              <a:t>7/18/2025</a:t>
             </a:fld>
             <a:endParaRPr lang="en-US"/>
           </a:p>
@@ -2568,7 +2568,7 @@
           <a:p>
             <a:fld id="{0D3B5067-23B2-4A47-B861-B6AD9755EB6A}" type="datetime1">
               <a:rPr lang="en-US" smtClean="0"/>
-              <a:t>7/17/2025</a:t>
+              <a:t>7/18/2025</a:t>
             </a:fld>
             <a:endParaRPr lang="en-US"/>
           </a:p>
@@ -2823,7 +2823,7 @@
           <a:p>
             <a:fld id="{D6717004-1295-4CBD-B226-47568F44F7DC}" type="datetime1">
               <a:rPr lang="en-US" smtClean="0"/>
-              <a:t>7/17/2025</a:t>
+              <a:t>7/18/2025</a:t>
             </a:fld>
             <a:endParaRPr lang="en-US"/>
           </a:p>
@@ -3037,7 +3037,7 @@
           <a:p>
             <a:fld id="{3DD380BE-3BCB-4CE2-A1E1-8CB018944DB9}" type="datetime1">
               <a:rPr lang="en-US" smtClean="0"/>
-              <a:t>7/17/2025</a:t>
+              <a:t>7/18/2025</a:t>
             </a:fld>
             <a:endParaRPr lang="en-US"/>
           </a:p>
@@ -5338,18 +5338,18 @@
               <a:t>Train and test on </a:t>
             </a:r>
             <a:r>
-              <a:rPr lang="en-US" sz="2800" dirty="0" err="1">
+              <a:rPr lang="en-US" sz="2800">
                 <a:latin typeface="Times New Roman" panose="02020603050405020304" pitchFamily="18" charset="0"/>
                 <a:cs typeface="Times New Roman" panose="02020603050405020304" pitchFamily="18" charset="0"/>
               </a:rPr>
-              <a:t>dermnet</a:t>
+              <a:t>kaggle </a:t>
             </a:r>
             <a:r>
               <a:rPr lang="en-US" sz="2800" dirty="0">
                 <a:latin typeface="Times New Roman" panose="02020603050405020304" pitchFamily="18" charset="0"/>
                 <a:cs typeface="Times New Roman" panose="02020603050405020304" pitchFamily="18" charset="0"/>
               </a:rPr>
-              <a:t> dataset</a:t>
+              <a:t>dataset</a:t>
             </a:r>
           </a:p>
           <a:p>
